--- a/Project Management/PI Planning/24PI1 Planning/Zowe 24PI1 Planning - Introduction and Agenda.pptx
+++ b/Project Management/PI Planning/24PI1 Planning/Zowe 24PI1 Planning - Introduction and Agenda.pptx
@@ -7000,13 +7000,22 @@
               <a:t>Zowe</a:t>
             </a:r>
             <a:r>
+              <a:rPr lang="en-US" sz="2400" spc="-1">
+                <a:solidFill>
+                  <a:srgbClr val="3664AD"/>
+                </a:solidFill>
+                <a:ea typeface="Gill Sans"/>
+              </a:rPr>
+              <a:t> PI </a:t>
+            </a:r>
+            <a:r>
               <a:rPr lang="en-US" sz="2400" spc="-1" dirty="0">
                 <a:solidFill>
                   <a:srgbClr val="3664AD"/>
                 </a:solidFill>
                 <a:ea typeface="Gill Sans"/>
               </a:rPr>
-              <a:t> 23PI4 Planning</a:t>
+              <a:t>Planning</a:t>
             </a:r>
           </a:p>
           <a:p>
